--- a/CKDSurveillance/PPT/Q703.pptx
+++ b/CKDSurveillance/PPT/Q703.pptx
@@ -7,6 +7,7 @@
   <p:sldIdLst>
     <p:sldId id="256" r:id="rId2"/>
     <p:sldId id="267" r:id="rId3"/>
+    <p:sldId id="268" r:id="rId4"/>
   </p:sldIdLst>
   <p:sldSz cx="12192000" cy="6858000"/>
   <p:notesSz cx="6858000" cy="9144000"/>
@@ -141,7 +142,17 @@
   <c:chart>
     <c:autoTitleDeleted val="1"/>
     <c:plotArea>
-      <c:layout/>
+      <c:layout>
+        <c:manualLayout>
+          <c:layoutTarget val="inner"/>
+          <c:xMode val="edge"/>
+          <c:yMode val="edge"/>
+          <c:x val="9.3169381001425605E-2"/>
+          <c:y val="5.0538091799077554E-2"/>
+          <c:w val="0.89537228472541708"/>
+          <c:h val="0.6870842291078556"/>
+        </c:manualLayout>
+      </c:layout>
       <c:barChart>
         <c:barDir val="col"/>
         <c:grouping val="clustered"/>
@@ -151,7 +162,7 @@
           <c:order val="0"/>
           <c:tx>
             <c:strRef>
-              <c:f>Sheet1!$A$2</c:f>
+              <c:f>Graphics!$A$2</c:f>
               <c:strCache>
                 <c:ptCount val="1"/>
                 <c:pt idx="0">
@@ -162,7 +173,7 @@
           </c:tx>
           <c:spPr>
             <a:solidFill>
-              <a:srgbClr val="7030A0"/>
+              <a:srgbClr val="993366"/>
             </a:solidFill>
             <a:ln>
               <a:noFill/>
@@ -172,7 +183,7 @@
           <c:invertIfNegative val="0"/>
           <c:cat>
             <c:strRef>
-              <c:f>Sheet1!$B$1:$G$1</c:f>
+              <c:f>Graphics!$B$1:$G$1</c:f>
               <c:strCache>
                 <c:ptCount val="6"/>
                 <c:pt idx="0">
@@ -198,7 +209,7 @@
           </c:cat>
           <c:val>
             <c:numRef>
-              <c:f>Sheet1!$B$2:$G$2</c:f>
+              <c:f>Graphics!$B$2:$G$2</c:f>
               <c:numCache>
                 <c:formatCode>General</c:formatCode>
                 <c:ptCount val="6"/>
@@ -209,7 +220,7 @@
                   <c:v>10.5</c:v>
                 </c:pt>
                 <c:pt idx="2" formatCode="0.0">
-                  <c:v>13.1</c:v>
+                  <c:v>13.2</c:v>
                 </c:pt>
                 <c:pt idx="3">
                   <c:v>33.799999999999997</c:v>
@@ -225,7 +236,7 @@
           </c:val>
           <c:extLst>
             <c:ext xmlns:c16="http://schemas.microsoft.com/office/drawing/2014/chart" uri="{C3380CC4-5D6E-409C-BE32-E72D297353CC}">
-              <c16:uniqueId val="{00000000-455C-428A-97A1-EEC6067E5605}"/>
+              <c16:uniqueId val="{00000000-64D0-4D33-9BEE-60D1F406D3C3}"/>
             </c:ext>
           </c:extLst>
         </c:ser>
@@ -234,7 +245,7 @@
           <c:order val="1"/>
           <c:tx>
             <c:strRef>
-              <c:f>Sheet1!$A$3</c:f>
+              <c:f>Graphics!$A$3</c:f>
               <c:strCache>
                 <c:ptCount val="1"/>
                 <c:pt idx="0">
@@ -255,7 +266,7 @@
           <c:invertIfNegative val="0"/>
           <c:cat>
             <c:strRef>
-              <c:f>Sheet1!$B$1:$G$1</c:f>
+              <c:f>Graphics!$B$1:$G$1</c:f>
               <c:strCache>
                 <c:ptCount val="6"/>
                 <c:pt idx="0">
@@ -281,7 +292,7 @@
           </c:cat>
           <c:val>
             <c:numRef>
-              <c:f>Sheet1!$B$3:$G$3</c:f>
+              <c:f>Graphics!$B$3:$G$3</c:f>
               <c:numCache>
                 <c:formatCode>General</c:formatCode>
                 <c:ptCount val="6"/>
@@ -308,7 +319,7 @@
           </c:val>
           <c:extLst>
             <c:ext xmlns:c16="http://schemas.microsoft.com/office/drawing/2014/chart" uri="{C3380CC4-5D6E-409C-BE32-E72D297353CC}">
-              <c16:uniqueId val="{00000001-455C-428A-97A1-EEC6067E5605}"/>
+              <c16:uniqueId val="{00000001-64D0-4D33-9BEE-60D1F406D3C3}"/>
             </c:ext>
           </c:extLst>
         </c:ser>
@@ -356,7 +367,7 @@
             <a:pPr>
               <a:defRPr sz="2300" b="0" i="0" u="none" strike="noStrike" kern="1200" baseline="0">
                 <a:solidFill>
-                  <a:schemeClr val="tx1"/>
+                  <a:sysClr val="windowText" lastClr="000000"/>
                 </a:solidFill>
                 <a:latin typeface="+mn-lt"/>
                 <a:ea typeface="+mn-ea"/>
@@ -402,9 +413,9 @@
               <a:lstStyle/>
               <a:p>
                 <a:pPr>
-                  <a:defRPr sz="2800" b="0" i="0" u="none" strike="noStrike" kern="1200" baseline="0">
+                  <a:defRPr sz="2400" b="0" i="0" u="none" strike="noStrike" kern="1200" baseline="0">
                     <a:solidFill>
-                      <a:schemeClr val="tx1"/>
+                      <a:sysClr val="windowText" lastClr="000000"/>
                     </a:solidFill>
                     <a:latin typeface="+mn-lt"/>
                     <a:ea typeface="+mn-ea"/>
@@ -412,16 +423,16 @@
                   </a:defRPr>
                 </a:pPr>
                 <a:r>
-                  <a:rPr lang="en-US" sz="2800" baseline="0">
+                  <a:rPr lang="en-US" sz="2400" baseline="0">
                     <a:solidFill>
-                      <a:schemeClr val="tx1"/>
+                      <a:sysClr val="windowText" lastClr="000000"/>
                     </a:solidFill>
                   </a:rPr>
                   <a:t>Percent (%)</a:t>
                 </a:r>
-                <a:endParaRPr lang="en-US" sz="2800">
+                <a:endParaRPr lang="en-US" sz="2400">
                   <a:solidFill>
-                    <a:schemeClr val="tx1"/>
+                    <a:sysClr val="windowText" lastClr="000000"/>
                   </a:solidFill>
                 </a:endParaRPr>
               </a:p>
@@ -431,8 +442,8 @@
             <c:manualLayout>
               <c:xMode val="edge"/>
               <c:yMode val="edge"/>
-              <c:x val="1.102800165923666E-3"/>
-              <c:y val="0.17129540213771494"/>
+              <c:x val="0"/>
+              <c:y val="0.22848641366545186"/>
             </c:manualLayout>
           </c:layout>
           <c:overlay val="0"/>
@@ -448,9 +459,9 @@
             <a:lstStyle/>
             <a:p>
               <a:pPr>
-                <a:defRPr sz="2800" b="0" i="0" u="none" strike="noStrike" kern="1200" baseline="0">
+                <a:defRPr sz="2400" b="0" i="0" u="none" strike="noStrike" kern="1200" baseline="0">
                   <a:solidFill>
-                    <a:schemeClr val="tx1"/>
+                    <a:sysClr val="windowText" lastClr="000000"/>
                   </a:solidFill>
                   <a:latin typeface="+mn-lt"/>
                   <a:ea typeface="+mn-ea"/>
@@ -477,9 +488,9 @@
           <a:lstStyle/>
           <a:p>
             <a:pPr>
-              <a:defRPr sz="2400" b="0" i="0" u="none" strike="noStrike" kern="1200" baseline="0">
+              <a:defRPr sz="2300" b="0" i="0" u="none" strike="noStrike" kern="1200" baseline="0">
                 <a:solidFill>
-                  <a:schemeClr val="tx1"/>
+                  <a:sysClr val="windowText" lastClr="000000"/>
                 </a:solidFill>
                 <a:latin typeface="+mn-lt"/>
                 <a:ea typeface="+mn-ea"/>
@@ -507,10 +518,10 @@
         <c:manualLayout>
           <c:xMode val="edge"/>
           <c:yMode val="edge"/>
-          <c:x val="0.36351304891604297"/>
-          <c:y val="0.89674206085184771"/>
-          <c:w val="0.33413241386759163"/>
-          <c:h val="8.7449246732403438E-2"/>
+          <c:x val="0.36293170627720689"/>
+          <c:y val="0.91349394391972472"/>
+          <c:w val="0.31163650850036978"/>
+          <c:h val="8.6506056080275326E-2"/>
         </c:manualLayout>
       </c:layout>
       <c:overlay val="0"/>
@@ -526,9 +537,9 @@
         <a:lstStyle/>
         <a:p>
           <a:pPr>
-            <a:defRPr sz="2250" b="0" i="0" u="none" strike="noStrike" kern="1200" baseline="0">
+            <a:defRPr sz="2200" b="0" i="0" u="none" strike="noStrike" kern="1200" baseline="0">
               <a:solidFill>
-                <a:schemeClr val="tx1"/>
+                <a:sysClr val="windowText" lastClr="000000"/>
               </a:solidFill>
               <a:latin typeface="+mn-lt"/>
               <a:ea typeface="+mn-ea"/>
@@ -551,9 +562,480 @@
     <c:showDLblsOverMax val="0"/>
   </c:chart>
   <c:spPr>
-    <a:noFill/>
-    <a:ln>
+    <a:solidFill>
+      <a:schemeClr val="bg1"/>
+    </a:solidFill>
+    <a:ln w="9525" cap="flat" cmpd="sng" algn="ctr">
       <a:noFill/>
+      <a:round/>
+    </a:ln>
+    <a:effectLst/>
+  </c:spPr>
+  <c:txPr>
+    <a:bodyPr/>
+    <a:lstStyle/>
+    <a:p>
+      <a:pPr>
+        <a:defRPr/>
+      </a:pPr>
+      <a:endParaRPr lang="en-US"/>
+    </a:p>
+  </c:txPr>
+  <c:externalData r:id="rId3">
+    <c:autoUpdate val="0"/>
+  </c:externalData>
+</c:chartSpace>
+</file>
+
+<file path=ppt/charts/chart2.xml><?xml version="1.0" encoding="utf-8"?>
+<c:chartSpace xmlns:c="http://schemas.openxmlformats.org/drawingml/2006/chart" xmlns:a="http://schemas.openxmlformats.org/drawingml/2006/main" xmlns:r="http://schemas.openxmlformats.org/officeDocument/2006/relationships" xmlns:c16r2="http://schemas.microsoft.com/office/drawing/2015/06/chart">
+  <c:date1904 val="0"/>
+  <c:lang val="en-US"/>
+  <c:roundedCorners val="0"/>
+  <mc:AlternateContent xmlns:mc="http://schemas.openxmlformats.org/markup-compatibility/2006">
+    <mc:Choice xmlns:c14="http://schemas.microsoft.com/office/drawing/2007/8/2/chart" Requires="c14">
+      <c14:style val="102"/>
+    </mc:Choice>
+    <mc:Fallback>
+      <c:style val="2"/>
+    </mc:Fallback>
+  </mc:AlternateContent>
+  <c:chart>
+    <c:autoTitleDeleted val="1"/>
+    <c:plotArea>
+      <c:layout>
+        <c:manualLayout>
+          <c:layoutTarget val="inner"/>
+          <c:xMode val="edge"/>
+          <c:yMode val="edge"/>
+          <c:x val="9.3169381001425605E-2"/>
+          <c:y val="5.0538091799077554E-2"/>
+          <c:w val="0.89537228472541708"/>
+          <c:h val="0.6870842291078556"/>
+        </c:manualLayout>
+      </c:layout>
+      <c:barChart>
+        <c:barDir val="col"/>
+        <c:grouping val="clustered"/>
+        <c:varyColors val="0"/>
+        <c:ser>
+          <c:idx val="0"/>
+          <c:order val="0"/>
+          <c:tx>
+            <c:strRef>
+              <c:f>Graphics!$A$23</c:f>
+              <c:strCache>
+                <c:ptCount val="1"/>
+                <c:pt idx="0">
+                  <c:v>With CKD</c:v>
+                </c:pt>
+              </c:strCache>
+            </c:strRef>
+          </c:tx>
+          <c:spPr>
+            <a:solidFill>
+              <a:srgbClr val="993366"/>
+            </a:solidFill>
+            <a:ln>
+              <a:noFill/>
+            </a:ln>
+            <a:effectLst/>
+          </c:spPr>
+          <c:invertIfNegative val="0"/>
+          <c:cat>
+            <c:strRef>
+              <c:f>Graphics!$B$22:$G$22</c:f>
+              <c:strCache>
+                <c:ptCount val="6"/>
+                <c:pt idx="0">
+                  <c:v>Hearing</c:v>
+                </c:pt>
+                <c:pt idx="1">
+                  <c:v>Seeing</c:v>
+                </c:pt>
+                <c:pt idx="2">
+                  <c:v>Concentrating</c:v>
+                </c:pt>
+                <c:pt idx="3">
+                  <c:v>Walking</c:v>
+                </c:pt>
+                <c:pt idx="4">
+                  <c:v>Dressing &amp; Bathing</c:v>
+                </c:pt>
+                <c:pt idx="5">
+                  <c:v>Doing Errands Alone</c:v>
+                </c:pt>
+              </c:strCache>
+            </c:strRef>
+          </c:cat>
+          <c:val>
+            <c:numRef>
+              <c:f>Graphics!$B$23:$G$23</c:f>
+              <c:numCache>
+                <c:formatCode>0.0</c:formatCode>
+                <c:ptCount val="6"/>
+                <c:pt idx="0">
+                  <c:v>22.5</c:v>
+                </c:pt>
+                <c:pt idx="1">
+                  <c:v>10.1</c:v>
+                </c:pt>
+                <c:pt idx="2">
+                  <c:v>13.1</c:v>
+                </c:pt>
+                <c:pt idx="3">
+                  <c:v>32.9</c:v>
+                </c:pt>
+                <c:pt idx="4">
+                  <c:v>9.1</c:v>
+                </c:pt>
+                <c:pt idx="5">
+                  <c:v>16.100000000000001</c:v>
+                </c:pt>
+              </c:numCache>
+            </c:numRef>
+          </c:val>
+          <c:extLst>
+            <c:ext xmlns:c16="http://schemas.microsoft.com/office/drawing/2014/chart" uri="{C3380CC4-5D6E-409C-BE32-E72D297353CC}">
+              <c16:uniqueId val="{00000000-BDD9-4D28-A80F-3831629FA95D}"/>
+            </c:ext>
+          </c:extLst>
+        </c:ser>
+        <c:ser>
+          <c:idx val="1"/>
+          <c:order val="1"/>
+          <c:tx>
+            <c:strRef>
+              <c:f>Graphics!$A$24</c:f>
+              <c:strCache>
+                <c:ptCount val="1"/>
+                <c:pt idx="0">
+                  <c:v>Without CKD</c:v>
+                </c:pt>
+              </c:strCache>
+            </c:strRef>
+          </c:tx>
+          <c:spPr>
+            <a:solidFill>
+              <a:srgbClr val="008080"/>
+            </a:solidFill>
+            <a:ln>
+              <a:noFill/>
+            </a:ln>
+            <a:effectLst/>
+          </c:spPr>
+          <c:invertIfNegative val="0"/>
+          <c:cat>
+            <c:strRef>
+              <c:f>Graphics!$B$22:$G$22</c:f>
+              <c:strCache>
+                <c:ptCount val="6"/>
+                <c:pt idx="0">
+                  <c:v>Hearing</c:v>
+                </c:pt>
+                <c:pt idx="1">
+                  <c:v>Seeing</c:v>
+                </c:pt>
+                <c:pt idx="2">
+                  <c:v>Concentrating</c:v>
+                </c:pt>
+                <c:pt idx="3">
+                  <c:v>Walking</c:v>
+                </c:pt>
+                <c:pt idx="4">
+                  <c:v>Dressing &amp; Bathing</c:v>
+                </c:pt>
+                <c:pt idx="5">
+                  <c:v>Doing Errands Alone</c:v>
+                </c:pt>
+              </c:strCache>
+            </c:strRef>
+          </c:cat>
+          <c:val>
+            <c:numRef>
+              <c:f>Graphics!$B$24:$G$24</c:f>
+              <c:numCache>
+                <c:formatCode>0.0</c:formatCode>
+                <c:ptCount val="6"/>
+                <c:pt idx="0">
+                  <c:v>18.5</c:v>
+                </c:pt>
+                <c:pt idx="1">
+                  <c:v>8</c:v>
+                </c:pt>
+                <c:pt idx="2">
+                  <c:v>8.8000000000000007</c:v>
+                </c:pt>
+                <c:pt idx="3">
+                  <c:v>19.2</c:v>
+                </c:pt>
+                <c:pt idx="4">
+                  <c:v>5.8</c:v>
+                </c:pt>
+                <c:pt idx="5">
+                  <c:v>8.8000000000000007</c:v>
+                </c:pt>
+              </c:numCache>
+            </c:numRef>
+          </c:val>
+          <c:extLst>
+            <c:ext xmlns:c16="http://schemas.microsoft.com/office/drawing/2014/chart" uri="{C3380CC4-5D6E-409C-BE32-E72D297353CC}">
+              <c16:uniqueId val="{00000001-BDD9-4D28-A80F-3831629FA95D}"/>
+            </c:ext>
+          </c:extLst>
+        </c:ser>
+        <c:dLbls>
+          <c:showLegendKey val="0"/>
+          <c:showVal val="0"/>
+          <c:showCatName val="0"/>
+          <c:showSerName val="0"/>
+          <c:showPercent val="0"/>
+          <c:showBubbleSize val="0"/>
+        </c:dLbls>
+        <c:gapWidth val="219"/>
+        <c:overlap val="-27"/>
+        <c:axId val="74357231"/>
+        <c:axId val="74356399"/>
+      </c:barChart>
+      <c:catAx>
+        <c:axId val="74357231"/>
+        <c:scaling>
+          <c:orientation val="minMax"/>
+        </c:scaling>
+        <c:delete val="0"/>
+        <c:axPos val="b"/>
+        <c:numFmt formatCode="General" sourceLinked="1"/>
+        <c:majorTickMark val="none"/>
+        <c:minorTickMark val="none"/>
+        <c:tickLblPos val="nextTo"/>
+        <c:spPr>
+          <a:noFill/>
+          <a:ln w="9525" cap="flat" cmpd="sng" algn="ctr">
+            <a:solidFill>
+              <a:schemeClr val="tx1">
+                <a:lumMod val="15000"/>
+                <a:lumOff val="85000"/>
+              </a:schemeClr>
+            </a:solidFill>
+            <a:round/>
+          </a:ln>
+          <a:effectLst/>
+        </c:spPr>
+        <c:txPr>
+          <a:bodyPr rot="-60000000" spcFirstLastPara="1" vertOverflow="ellipsis" vert="horz" wrap="square" anchor="ctr" anchorCtr="1"/>
+          <a:lstStyle/>
+          <a:p>
+            <a:pPr>
+              <a:defRPr sz="2300" b="0" i="0" u="none" strike="noStrike" kern="1200" baseline="0">
+                <a:solidFill>
+                  <a:sysClr val="windowText" lastClr="000000"/>
+                </a:solidFill>
+                <a:latin typeface="+mn-lt"/>
+                <a:ea typeface="+mn-ea"/>
+                <a:cs typeface="+mn-cs"/>
+              </a:defRPr>
+            </a:pPr>
+            <a:endParaRPr lang="en-US"/>
+          </a:p>
+        </c:txPr>
+        <c:crossAx val="74356399"/>
+        <c:crosses val="autoZero"/>
+        <c:auto val="1"/>
+        <c:lblAlgn val="ctr"/>
+        <c:lblOffset val="100"/>
+        <c:noMultiLvlLbl val="0"/>
+      </c:catAx>
+      <c:valAx>
+        <c:axId val="74356399"/>
+        <c:scaling>
+          <c:orientation val="minMax"/>
+        </c:scaling>
+        <c:delete val="0"/>
+        <c:axPos val="l"/>
+        <c:majorGridlines>
+          <c:spPr>
+            <a:ln w="9525" cap="flat" cmpd="sng" algn="ctr">
+              <a:solidFill>
+                <a:schemeClr val="tx1">
+                  <a:lumMod val="15000"/>
+                  <a:lumOff val="85000"/>
+                </a:schemeClr>
+              </a:solidFill>
+              <a:round/>
+            </a:ln>
+            <a:effectLst/>
+          </c:spPr>
+        </c:majorGridlines>
+        <c:title>
+          <c:tx>
+            <c:rich>
+              <a:bodyPr rot="-5400000" spcFirstLastPara="1" vertOverflow="ellipsis" vert="horz" wrap="square" anchor="ctr" anchorCtr="1"/>
+              <a:lstStyle/>
+              <a:p>
+                <a:pPr>
+                  <a:defRPr sz="2400" b="0" i="0" u="none" strike="noStrike" kern="1200" baseline="0">
+                    <a:solidFill>
+                      <a:sysClr val="windowText" lastClr="000000"/>
+                    </a:solidFill>
+                    <a:latin typeface="+mn-lt"/>
+                    <a:ea typeface="+mn-ea"/>
+                    <a:cs typeface="+mn-cs"/>
+                  </a:defRPr>
+                </a:pPr>
+                <a:r>
+                  <a:rPr lang="en-US" sz="2400" dirty="0">
+                    <a:solidFill>
+                      <a:sysClr val="windowText" lastClr="000000"/>
+                    </a:solidFill>
+                  </a:rPr>
+                  <a:t>Percent</a:t>
+                </a:r>
+                <a:r>
+                  <a:rPr lang="en-US" sz="2400" baseline="0" dirty="0">
+                    <a:solidFill>
+                      <a:sysClr val="windowText" lastClr="000000"/>
+                    </a:solidFill>
+                  </a:rPr>
+                  <a:t> (%)</a:t>
+                </a:r>
+                <a:endParaRPr lang="en-US" sz="2400" dirty="0">
+                  <a:solidFill>
+                    <a:sysClr val="windowText" lastClr="000000"/>
+                  </a:solidFill>
+                </a:endParaRPr>
+              </a:p>
+            </c:rich>
+          </c:tx>
+          <c:layout>
+            <c:manualLayout>
+              <c:xMode val="edge"/>
+              <c:yMode val="edge"/>
+              <c:x val="0"/>
+              <c:y val="0.22880079263634151"/>
+            </c:manualLayout>
+          </c:layout>
+          <c:overlay val="0"/>
+          <c:spPr>
+            <a:noFill/>
+            <a:ln>
+              <a:noFill/>
+            </a:ln>
+            <a:effectLst/>
+          </c:spPr>
+          <c:txPr>
+            <a:bodyPr rot="-5400000" spcFirstLastPara="1" vertOverflow="ellipsis" vert="horz" wrap="square" anchor="ctr" anchorCtr="1"/>
+            <a:lstStyle/>
+            <a:p>
+              <a:pPr>
+                <a:defRPr sz="2400" b="0" i="0" u="none" strike="noStrike" kern="1200" baseline="0">
+                  <a:solidFill>
+                    <a:sysClr val="windowText" lastClr="000000"/>
+                  </a:solidFill>
+                  <a:latin typeface="+mn-lt"/>
+                  <a:ea typeface="+mn-ea"/>
+                  <a:cs typeface="+mn-cs"/>
+                </a:defRPr>
+              </a:pPr>
+              <a:endParaRPr lang="en-US"/>
+            </a:p>
+          </c:txPr>
+        </c:title>
+        <c:numFmt formatCode="0" sourceLinked="0"/>
+        <c:majorTickMark val="none"/>
+        <c:minorTickMark val="none"/>
+        <c:tickLblPos val="nextTo"/>
+        <c:spPr>
+          <a:noFill/>
+          <a:ln>
+            <a:noFill/>
+          </a:ln>
+          <a:effectLst/>
+        </c:spPr>
+        <c:txPr>
+          <a:bodyPr rot="-60000000" spcFirstLastPara="1" vertOverflow="ellipsis" vert="horz" wrap="square" anchor="ctr" anchorCtr="1"/>
+          <a:lstStyle/>
+          <a:p>
+            <a:pPr>
+              <a:defRPr sz="2300" b="0" i="0" u="none" strike="noStrike" kern="1200" baseline="0">
+                <a:solidFill>
+                  <a:sysClr val="windowText" lastClr="000000"/>
+                </a:solidFill>
+                <a:latin typeface="+mn-lt"/>
+                <a:ea typeface="+mn-ea"/>
+                <a:cs typeface="+mn-cs"/>
+              </a:defRPr>
+            </a:pPr>
+            <a:endParaRPr lang="en-US"/>
+          </a:p>
+        </c:txPr>
+        <c:crossAx val="74357231"/>
+        <c:crosses val="autoZero"/>
+        <c:crossBetween val="between"/>
+      </c:valAx>
+      <c:spPr>
+        <a:noFill/>
+        <a:ln>
+          <a:noFill/>
+        </a:ln>
+        <a:effectLst/>
+      </c:spPr>
+    </c:plotArea>
+    <c:legend>
+      <c:legendPos val="b"/>
+      <c:layout>
+        <c:manualLayout>
+          <c:xMode val="edge"/>
+          <c:yMode val="edge"/>
+          <c:x val="0.36293170627720689"/>
+          <c:y val="0.91349394391972472"/>
+          <c:w val="0.31163650850036978"/>
+          <c:h val="8.6506056080275326E-2"/>
+        </c:manualLayout>
+      </c:layout>
+      <c:overlay val="0"/>
+      <c:spPr>
+        <a:noFill/>
+        <a:ln>
+          <a:noFill/>
+        </a:ln>
+        <a:effectLst/>
+      </c:spPr>
+      <c:txPr>
+        <a:bodyPr rot="0" spcFirstLastPara="1" vertOverflow="ellipsis" vert="horz" wrap="square" anchor="ctr" anchorCtr="1"/>
+        <a:lstStyle/>
+        <a:p>
+          <a:pPr>
+            <a:defRPr sz="2200" b="0" i="0" u="none" strike="noStrike" kern="1200" baseline="0">
+              <a:solidFill>
+                <a:sysClr val="windowText" lastClr="000000"/>
+              </a:solidFill>
+              <a:latin typeface="+mn-lt"/>
+              <a:ea typeface="+mn-ea"/>
+              <a:cs typeface="+mn-cs"/>
+            </a:defRPr>
+          </a:pPr>
+          <a:endParaRPr lang="en-US"/>
+        </a:p>
+      </c:txPr>
+    </c:legend>
+    <c:plotVisOnly val="1"/>
+    <c:dispBlanksAs val="gap"/>
+    <c:extLst>
+      <c:ext xmlns:c16r3="http://schemas.microsoft.com/office/drawing/2017/03/chart" uri="{56B9EC1D-385E-4148-901F-78D8002777C0}">
+        <c16r3:dataDisplayOptions16>
+          <c16r3:dispNaAsBlank val="1"/>
+        </c16r3:dataDisplayOptions16>
+      </c:ext>
+    </c:extLst>
+    <c:showDLblsOverMax val="0"/>
+  </c:chart>
+  <c:spPr>
+    <a:solidFill>
+      <a:schemeClr val="bg1"/>
+    </a:solidFill>
+    <a:ln w="9525" cap="flat" cmpd="sng" algn="ctr">
+      <a:noFill/>
+      <a:round/>
     </a:ln>
     <a:effectLst/>
   </c:spPr>
@@ -613,7 +1095,550 @@
 </cs:colorStyle>
 </file>
 
+<file path=ppt/charts/colors2.xml><?xml version="1.0" encoding="utf-8"?>
+<cs:colorStyle xmlns:cs="http://schemas.microsoft.com/office/drawing/2012/chartStyle" xmlns:a="http://schemas.openxmlformats.org/drawingml/2006/main" meth="cycle" id="10">
+  <a:schemeClr val="accent1"/>
+  <a:schemeClr val="accent2"/>
+  <a:schemeClr val="accent3"/>
+  <a:schemeClr val="accent4"/>
+  <a:schemeClr val="accent5"/>
+  <a:schemeClr val="accent6"/>
+  <cs:variation/>
+  <cs:variation>
+    <a:lumMod val="60000"/>
+  </cs:variation>
+  <cs:variation>
+    <a:lumMod val="80000"/>
+    <a:lumOff val="20000"/>
+  </cs:variation>
+  <cs:variation>
+    <a:lumMod val="80000"/>
+  </cs:variation>
+  <cs:variation>
+    <a:lumMod val="60000"/>
+    <a:lumOff val="40000"/>
+  </cs:variation>
+  <cs:variation>
+    <a:lumMod val="50000"/>
+  </cs:variation>
+  <cs:variation>
+    <a:lumMod val="70000"/>
+    <a:lumOff val="30000"/>
+  </cs:variation>
+  <cs:variation>
+    <a:lumMod val="70000"/>
+  </cs:variation>
+  <cs:variation>
+    <a:lumMod val="50000"/>
+    <a:lumOff val="50000"/>
+  </cs:variation>
+</cs:colorStyle>
+</file>
+
 <file path=ppt/charts/style1.xml><?xml version="1.0" encoding="utf-8"?>
+<cs:chartStyle xmlns:cs="http://schemas.microsoft.com/office/drawing/2012/chartStyle" xmlns:a="http://schemas.openxmlformats.org/drawingml/2006/main" id="201">
+  <cs:axisTitle>
+    <cs:lnRef idx="0"/>
+    <cs:fillRef idx="0"/>
+    <cs:effectRef idx="0"/>
+    <cs:fontRef idx="minor">
+      <a:schemeClr val="tx1">
+        <a:lumMod val="65000"/>
+        <a:lumOff val="35000"/>
+      </a:schemeClr>
+    </cs:fontRef>
+    <cs:defRPr sz="1000" kern="1200"/>
+  </cs:axisTitle>
+  <cs:categoryAxis>
+    <cs:lnRef idx="0"/>
+    <cs:fillRef idx="0"/>
+    <cs:effectRef idx="0"/>
+    <cs:fontRef idx="minor">
+      <a:schemeClr val="tx1">
+        <a:lumMod val="65000"/>
+        <a:lumOff val="35000"/>
+      </a:schemeClr>
+    </cs:fontRef>
+    <cs:spPr>
+      <a:ln w="9525" cap="flat" cmpd="sng" algn="ctr">
+        <a:solidFill>
+          <a:schemeClr val="tx1">
+            <a:lumMod val="15000"/>
+            <a:lumOff val="85000"/>
+          </a:schemeClr>
+        </a:solidFill>
+        <a:round/>
+      </a:ln>
+    </cs:spPr>
+    <cs:defRPr sz="900" kern="1200"/>
+  </cs:categoryAxis>
+  <cs:chartArea mods="allowNoFillOverride allowNoLineOverride">
+    <cs:lnRef idx="0"/>
+    <cs:fillRef idx="0"/>
+    <cs:effectRef idx="0"/>
+    <cs:fontRef idx="minor">
+      <a:schemeClr val="tx1"/>
+    </cs:fontRef>
+    <cs:spPr>
+      <a:solidFill>
+        <a:schemeClr val="bg1"/>
+      </a:solidFill>
+      <a:ln w="9525" cap="flat" cmpd="sng" algn="ctr">
+        <a:solidFill>
+          <a:schemeClr val="tx1">
+            <a:lumMod val="15000"/>
+            <a:lumOff val="85000"/>
+          </a:schemeClr>
+        </a:solidFill>
+        <a:round/>
+      </a:ln>
+    </cs:spPr>
+    <cs:defRPr sz="1000" kern="1200"/>
+  </cs:chartArea>
+  <cs:dataLabel>
+    <cs:lnRef idx="0"/>
+    <cs:fillRef idx="0"/>
+    <cs:effectRef idx="0"/>
+    <cs:fontRef idx="minor">
+      <a:schemeClr val="tx1">
+        <a:lumMod val="75000"/>
+        <a:lumOff val="25000"/>
+      </a:schemeClr>
+    </cs:fontRef>
+    <cs:defRPr sz="900" kern="1200"/>
+  </cs:dataLabel>
+  <cs:dataLabelCallout>
+    <cs:lnRef idx="0"/>
+    <cs:fillRef idx="0"/>
+    <cs:effectRef idx="0"/>
+    <cs:fontRef idx="minor">
+      <a:schemeClr val="dk1">
+        <a:lumMod val="65000"/>
+        <a:lumOff val="35000"/>
+      </a:schemeClr>
+    </cs:fontRef>
+    <cs:spPr>
+      <a:solidFill>
+        <a:schemeClr val="lt1"/>
+      </a:solidFill>
+      <a:ln>
+        <a:solidFill>
+          <a:schemeClr val="dk1">
+            <a:lumMod val="25000"/>
+            <a:lumOff val="75000"/>
+          </a:schemeClr>
+        </a:solidFill>
+      </a:ln>
+    </cs:spPr>
+    <cs:defRPr sz="900" kern="1200"/>
+    <cs:bodyPr rot="0" spcFirstLastPara="1" vertOverflow="clip" horzOverflow="clip" vert="horz" wrap="square" lIns="36576" tIns="18288" rIns="36576" bIns="18288" anchor="ctr" anchorCtr="1">
+      <a:spAutoFit/>
+    </cs:bodyPr>
+  </cs:dataLabelCallout>
+  <cs:dataPoint>
+    <cs:lnRef idx="0"/>
+    <cs:fillRef idx="1">
+      <cs:styleClr val="auto"/>
+    </cs:fillRef>
+    <cs:effectRef idx="0"/>
+    <cs:fontRef idx="minor">
+      <a:schemeClr val="tx1"/>
+    </cs:fontRef>
+  </cs:dataPoint>
+  <cs:dataPoint3D>
+    <cs:lnRef idx="0"/>
+    <cs:fillRef idx="1">
+      <cs:styleClr val="auto"/>
+    </cs:fillRef>
+    <cs:effectRef idx="0"/>
+    <cs:fontRef idx="minor">
+      <a:schemeClr val="tx1"/>
+    </cs:fontRef>
+  </cs:dataPoint3D>
+  <cs:dataPointLine>
+    <cs:lnRef idx="0">
+      <cs:styleClr val="auto"/>
+    </cs:lnRef>
+    <cs:fillRef idx="1"/>
+    <cs:effectRef idx="0"/>
+    <cs:fontRef idx="minor">
+      <a:schemeClr val="tx1"/>
+    </cs:fontRef>
+    <cs:spPr>
+      <a:ln w="28575" cap="rnd">
+        <a:solidFill>
+          <a:schemeClr val="phClr"/>
+        </a:solidFill>
+        <a:round/>
+      </a:ln>
+    </cs:spPr>
+  </cs:dataPointLine>
+  <cs:dataPointMarker>
+    <cs:lnRef idx="0">
+      <cs:styleClr val="auto"/>
+    </cs:lnRef>
+    <cs:fillRef idx="1">
+      <cs:styleClr val="auto"/>
+    </cs:fillRef>
+    <cs:effectRef idx="0"/>
+    <cs:fontRef idx="minor">
+      <a:schemeClr val="tx1"/>
+    </cs:fontRef>
+    <cs:spPr>
+      <a:ln w="9525">
+        <a:solidFill>
+          <a:schemeClr val="phClr"/>
+        </a:solidFill>
+      </a:ln>
+    </cs:spPr>
+  </cs:dataPointMarker>
+  <cs:dataPointMarkerLayout symbol="circle" size="5"/>
+  <cs:dataPointWireframe>
+    <cs:lnRef idx="0">
+      <cs:styleClr val="auto"/>
+    </cs:lnRef>
+    <cs:fillRef idx="1"/>
+    <cs:effectRef idx="0"/>
+    <cs:fontRef idx="minor">
+      <a:schemeClr val="tx1"/>
+    </cs:fontRef>
+    <cs:spPr>
+      <a:ln w="9525" cap="rnd">
+        <a:solidFill>
+          <a:schemeClr val="phClr"/>
+        </a:solidFill>
+        <a:round/>
+      </a:ln>
+    </cs:spPr>
+  </cs:dataPointWireframe>
+  <cs:dataTable>
+    <cs:lnRef idx="0"/>
+    <cs:fillRef idx="0"/>
+    <cs:effectRef idx="0"/>
+    <cs:fontRef idx="minor">
+      <a:schemeClr val="tx1">
+        <a:lumMod val="65000"/>
+        <a:lumOff val="35000"/>
+      </a:schemeClr>
+    </cs:fontRef>
+    <cs:spPr>
+      <a:noFill/>
+      <a:ln w="9525" cap="flat" cmpd="sng" algn="ctr">
+        <a:solidFill>
+          <a:schemeClr val="tx1">
+            <a:lumMod val="15000"/>
+            <a:lumOff val="85000"/>
+          </a:schemeClr>
+        </a:solidFill>
+        <a:round/>
+      </a:ln>
+    </cs:spPr>
+    <cs:defRPr sz="900" kern="1200"/>
+  </cs:dataTable>
+  <cs:downBar>
+    <cs:lnRef idx="0"/>
+    <cs:fillRef idx="0"/>
+    <cs:effectRef idx="0"/>
+    <cs:fontRef idx="minor">
+      <a:schemeClr val="dk1"/>
+    </cs:fontRef>
+    <cs:spPr>
+      <a:solidFill>
+        <a:schemeClr val="dk1">
+          <a:lumMod val="65000"/>
+          <a:lumOff val="35000"/>
+        </a:schemeClr>
+      </a:solidFill>
+      <a:ln w="9525">
+        <a:solidFill>
+          <a:schemeClr val="tx1">
+            <a:lumMod val="65000"/>
+            <a:lumOff val="35000"/>
+          </a:schemeClr>
+        </a:solidFill>
+      </a:ln>
+    </cs:spPr>
+  </cs:downBar>
+  <cs:dropLine>
+    <cs:lnRef idx="0"/>
+    <cs:fillRef idx="0"/>
+    <cs:effectRef idx="0"/>
+    <cs:fontRef idx="minor">
+      <a:schemeClr val="tx1"/>
+    </cs:fontRef>
+    <cs:spPr>
+      <a:ln w="9525" cap="flat" cmpd="sng" algn="ctr">
+        <a:solidFill>
+          <a:schemeClr val="tx1">
+            <a:lumMod val="35000"/>
+            <a:lumOff val="65000"/>
+          </a:schemeClr>
+        </a:solidFill>
+        <a:round/>
+      </a:ln>
+    </cs:spPr>
+  </cs:dropLine>
+  <cs:errorBar>
+    <cs:lnRef idx="0"/>
+    <cs:fillRef idx="0"/>
+    <cs:effectRef idx="0"/>
+    <cs:fontRef idx="minor">
+      <a:schemeClr val="tx1"/>
+    </cs:fontRef>
+    <cs:spPr>
+      <a:ln w="9525" cap="flat" cmpd="sng" algn="ctr">
+        <a:solidFill>
+          <a:schemeClr val="tx1">
+            <a:lumMod val="65000"/>
+            <a:lumOff val="35000"/>
+          </a:schemeClr>
+        </a:solidFill>
+        <a:round/>
+      </a:ln>
+    </cs:spPr>
+  </cs:errorBar>
+  <cs:floor>
+    <cs:lnRef idx="0"/>
+    <cs:fillRef idx="0"/>
+    <cs:effectRef idx="0"/>
+    <cs:fontRef idx="minor">
+      <a:schemeClr val="tx1"/>
+    </cs:fontRef>
+    <cs:spPr>
+      <a:noFill/>
+      <a:ln>
+        <a:noFill/>
+      </a:ln>
+    </cs:spPr>
+  </cs:floor>
+  <cs:gridlineMajor>
+    <cs:lnRef idx="0"/>
+    <cs:fillRef idx="0"/>
+    <cs:effectRef idx="0"/>
+    <cs:fontRef idx="minor">
+      <a:schemeClr val="tx1"/>
+    </cs:fontRef>
+    <cs:spPr>
+      <a:ln w="9525" cap="flat" cmpd="sng" algn="ctr">
+        <a:solidFill>
+          <a:schemeClr val="tx1">
+            <a:lumMod val="15000"/>
+            <a:lumOff val="85000"/>
+          </a:schemeClr>
+        </a:solidFill>
+        <a:round/>
+      </a:ln>
+    </cs:spPr>
+  </cs:gridlineMajor>
+  <cs:gridlineMinor>
+    <cs:lnRef idx="0"/>
+    <cs:fillRef idx="0"/>
+    <cs:effectRef idx="0"/>
+    <cs:fontRef idx="minor">
+      <a:schemeClr val="tx1"/>
+    </cs:fontRef>
+    <cs:spPr>
+      <a:ln w="9525" cap="flat" cmpd="sng" algn="ctr">
+        <a:solidFill>
+          <a:schemeClr val="tx1">
+            <a:lumMod val="5000"/>
+            <a:lumOff val="95000"/>
+          </a:schemeClr>
+        </a:solidFill>
+        <a:round/>
+      </a:ln>
+    </cs:spPr>
+  </cs:gridlineMinor>
+  <cs:hiLoLine>
+    <cs:lnRef idx="0"/>
+    <cs:fillRef idx="0"/>
+    <cs:effectRef idx="0"/>
+    <cs:fontRef idx="minor">
+      <a:schemeClr val="tx1"/>
+    </cs:fontRef>
+    <cs:spPr>
+      <a:ln w="9525" cap="flat" cmpd="sng" algn="ctr">
+        <a:solidFill>
+          <a:schemeClr val="tx1">
+            <a:lumMod val="75000"/>
+            <a:lumOff val="25000"/>
+          </a:schemeClr>
+        </a:solidFill>
+        <a:round/>
+      </a:ln>
+    </cs:spPr>
+  </cs:hiLoLine>
+  <cs:leaderLine>
+    <cs:lnRef idx="0"/>
+    <cs:fillRef idx="0"/>
+    <cs:effectRef idx="0"/>
+    <cs:fontRef idx="minor">
+      <a:schemeClr val="tx1"/>
+    </cs:fontRef>
+    <cs:spPr>
+      <a:ln w="9525" cap="flat" cmpd="sng" algn="ctr">
+        <a:solidFill>
+          <a:schemeClr val="tx1">
+            <a:lumMod val="35000"/>
+            <a:lumOff val="65000"/>
+          </a:schemeClr>
+        </a:solidFill>
+        <a:round/>
+      </a:ln>
+    </cs:spPr>
+  </cs:leaderLine>
+  <cs:legend>
+    <cs:lnRef idx="0"/>
+    <cs:fillRef idx="0"/>
+    <cs:effectRef idx="0"/>
+    <cs:fontRef idx="minor">
+      <a:schemeClr val="tx1">
+        <a:lumMod val="65000"/>
+        <a:lumOff val="35000"/>
+      </a:schemeClr>
+    </cs:fontRef>
+    <cs:defRPr sz="900" kern="1200"/>
+  </cs:legend>
+  <cs:plotArea mods="allowNoFillOverride allowNoLineOverride">
+    <cs:lnRef idx="0"/>
+    <cs:fillRef idx="0"/>
+    <cs:effectRef idx="0"/>
+    <cs:fontRef idx="minor">
+      <a:schemeClr val="tx1"/>
+    </cs:fontRef>
+  </cs:plotArea>
+  <cs:plotArea3D mods="allowNoFillOverride allowNoLineOverride">
+    <cs:lnRef idx="0"/>
+    <cs:fillRef idx="0"/>
+    <cs:effectRef idx="0"/>
+    <cs:fontRef idx="minor">
+      <a:schemeClr val="tx1"/>
+    </cs:fontRef>
+  </cs:plotArea3D>
+  <cs:seriesAxis>
+    <cs:lnRef idx="0"/>
+    <cs:fillRef idx="0"/>
+    <cs:effectRef idx="0"/>
+    <cs:fontRef idx="minor">
+      <a:schemeClr val="tx1">
+        <a:lumMod val="65000"/>
+        <a:lumOff val="35000"/>
+      </a:schemeClr>
+    </cs:fontRef>
+    <cs:defRPr sz="900" kern="1200"/>
+  </cs:seriesAxis>
+  <cs:seriesLine>
+    <cs:lnRef idx="0"/>
+    <cs:fillRef idx="0"/>
+    <cs:effectRef idx="0"/>
+    <cs:fontRef idx="minor">
+      <a:schemeClr val="tx1"/>
+    </cs:fontRef>
+    <cs:spPr>
+      <a:ln w="9525" cap="flat" cmpd="sng" algn="ctr">
+        <a:solidFill>
+          <a:schemeClr val="tx1">
+            <a:lumMod val="35000"/>
+            <a:lumOff val="65000"/>
+          </a:schemeClr>
+        </a:solidFill>
+        <a:round/>
+      </a:ln>
+    </cs:spPr>
+  </cs:seriesLine>
+  <cs:title>
+    <cs:lnRef idx="0"/>
+    <cs:fillRef idx="0"/>
+    <cs:effectRef idx="0"/>
+    <cs:fontRef idx="minor">
+      <a:schemeClr val="tx1">
+        <a:lumMod val="65000"/>
+        <a:lumOff val="35000"/>
+      </a:schemeClr>
+    </cs:fontRef>
+    <cs:defRPr sz="1400" b="0" kern="1200" spc="0" baseline="0"/>
+  </cs:title>
+  <cs:trendline>
+    <cs:lnRef idx="0">
+      <cs:styleClr val="auto"/>
+    </cs:lnRef>
+    <cs:fillRef idx="0"/>
+    <cs:effectRef idx="0"/>
+    <cs:fontRef idx="minor">
+      <a:schemeClr val="tx1"/>
+    </cs:fontRef>
+    <cs:spPr>
+      <a:ln w="19050" cap="rnd">
+        <a:solidFill>
+          <a:schemeClr val="phClr"/>
+        </a:solidFill>
+        <a:prstDash val="sysDot"/>
+      </a:ln>
+    </cs:spPr>
+  </cs:trendline>
+  <cs:trendlineLabel>
+    <cs:lnRef idx="0"/>
+    <cs:fillRef idx="0"/>
+    <cs:effectRef idx="0"/>
+    <cs:fontRef idx="minor">
+      <a:schemeClr val="tx1">
+        <a:lumMod val="65000"/>
+        <a:lumOff val="35000"/>
+      </a:schemeClr>
+    </cs:fontRef>
+    <cs:defRPr sz="900" kern="1200"/>
+  </cs:trendlineLabel>
+  <cs:upBar>
+    <cs:lnRef idx="0"/>
+    <cs:fillRef idx="0"/>
+    <cs:effectRef idx="0"/>
+    <cs:fontRef idx="minor">
+      <a:schemeClr val="dk1"/>
+    </cs:fontRef>
+    <cs:spPr>
+      <a:solidFill>
+        <a:schemeClr val="lt1"/>
+      </a:solidFill>
+      <a:ln w="9525">
+        <a:solidFill>
+          <a:schemeClr val="tx1">
+            <a:lumMod val="15000"/>
+            <a:lumOff val="85000"/>
+          </a:schemeClr>
+        </a:solidFill>
+      </a:ln>
+    </cs:spPr>
+  </cs:upBar>
+  <cs:valueAxis>
+    <cs:lnRef idx="0"/>
+    <cs:fillRef idx="0"/>
+    <cs:effectRef idx="0"/>
+    <cs:fontRef idx="minor">
+      <a:schemeClr val="tx1">
+        <a:lumMod val="65000"/>
+        <a:lumOff val="35000"/>
+      </a:schemeClr>
+    </cs:fontRef>
+    <cs:defRPr sz="900" kern="1200"/>
+  </cs:valueAxis>
+  <cs:wall>
+    <cs:lnRef idx="0"/>
+    <cs:fillRef idx="0"/>
+    <cs:effectRef idx="0"/>
+    <cs:fontRef idx="minor">
+      <a:schemeClr val="tx1"/>
+    </cs:fontRef>
+    <cs:spPr>
+      <a:noFill/>
+      <a:ln>
+        <a:noFill/>
+      </a:ln>
+    </cs:spPr>
+  </cs:wall>
+</cs:chartStyle>
+</file>
+
+<file path=ppt/charts/style2.xml><?xml version="1.0" encoding="utf-8"?>
 <cs:chartStyle xmlns:cs="http://schemas.microsoft.com/office/drawing/2012/chartStyle" xmlns:a="http://schemas.openxmlformats.org/drawingml/2006/main" id="201">
   <cs:axisTitle>
     <cs:lnRef idx="0"/>
@@ -1245,7 +2270,7 @@
           <a:p>
             <a:fld id="{FEC8F623-83FF-45D9-9165-1796CF17F145}" type="datetimeFigureOut">
               <a:rPr lang="en-US" smtClean="0"/>
-              <a:t>10/19/2023</a:t>
+              <a:t>8/7/2024</a:t>
             </a:fld>
             <a:endParaRPr lang="en-US"/>
           </a:p>
@@ -1413,7 +2438,7 @@
           <a:p>
             <a:fld id="{FEC8F623-83FF-45D9-9165-1796CF17F145}" type="datetimeFigureOut">
               <a:rPr lang="en-US" smtClean="0"/>
-              <a:t>10/19/2023</a:t>
+              <a:t>8/7/2024</a:t>
             </a:fld>
             <a:endParaRPr lang="en-US"/>
           </a:p>
@@ -1591,7 +2616,7 @@
           <a:p>
             <a:fld id="{FEC8F623-83FF-45D9-9165-1796CF17F145}" type="datetimeFigureOut">
               <a:rPr lang="en-US" smtClean="0"/>
-              <a:t>10/19/2023</a:t>
+              <a:t>8/7/2024</a:t>
             </a:fld>
             <a:endParaRPr lang="en-US"/>
           </a:p>
@@ -1759,7 +2784,7 @@
           <a:p>
             <a:fld id="{FEC8F623-83FF-45D9-9165-1796CF17F145}" type="datetimeFigureOut">
               <a:rPr lang="en-US" smtClean="0"/>
-              <a:t>10/19/2023</a:t>
+              <a:t>8/7/2024</a:t>
             </a:fld>
             <a:endParaRPr lang="en-US"/>
           </a:p>
@@ -2039,7 +3064,7 @@
           <a:p>
             <a:fld id="{FEC8F623-83FF-45D9-9165-1796CF17F145}" type="datetimeFigureOut">
               <a:rPr lang="en-US" smtClean="0"/>
-              <a:t>10/19/2023</a:t>
+              <a:t>8/7/2024</a:t>
             </a:fld>
             <a:endParaRPr lang="en-US"/>
           </a:p>
@@ -2292,7 +3317,7 @@
           <a:p>
             <a:fld id="{FEC8F623-83FF-45D9-9165-1796CF17F145}" type="datetimeFigureOut">
               <a:rPr lang="en-US" smtClean="0"/>
-              <a:t>10/19/2023</a:t>
+              <a:t>8/7/2024</a:t>
             </a:fld>
             <a:endParaRPr lang="en-US"/>
           </a:p>
@@ -2680,7 +3705,7 @@
           <a:p>
             <a:fld id="{FEC8F623-83FF-45D9-9165-1796CF17F145}" type="datetimeFigureOut">
               <a:rPr lang="en-US" smtClean="0"/>
-              <a:t>10/19/2023</a:t>
+              <a:t>8/7/2024</a:t>
             </a:fld>
             <a:endParaRPr lang="en-US"/>
           </a:p>
@@ -2821,7 +3846,7 @@
           <a:p>
             <a:fld id="{FEC8F623-83FF-45D9-9165-1796CF17F145}" type="datetimeFigureOut">
               <a:rPr lang="en-US" smtClean="0"/>
-              <a:t>10/19/2023</a:t>
+              <a:t>8/7/2024</a:t>
             </a:fld>
             <a:endParaRPr lang="en-US"/>
           </a:p>
@@ -2916,7 +3941,7 @@
           <a:p>
             <a:fld id="{FEC8F623-83FF-45D9-9165-1796CF17F145}" type="datetimeFigureOut">
               <a:rPr lang="en-US" smtClean="0"/>
-              <a:t>10/19/2023</a:t>
+              <a:t>8/7/2024</a:t>
             </a:fld>
             <a:endParaRPr lang="en-US"/>
           </a:p>
@@ -3191,7 +4216,7 @@
           <a:p>
             <a:fld id="{FEC8F623-83FF-45D9-9165-1796CF17F145}" type="datetimeFigureOut">
               <a:rPr lang="en-US" smtClean="0"/>
-              <a:t>10/19/2023</a:t>
+              <a:t>8/7/2024</a:t>
             </a:fld>
             <a:endParaRPr lang="en-US"/>
           </a:p>
@@ -3443,7 +4468,7 @@
           <a:p>
             <a:fld id="{FEC8F623-83FF-45D9-9165-1796CF17F145}" type="datetimeFigureOut">
               <a:rPr lang="en-US" smtClean="0"/>
-              <a:t>10/19/2023</a:t>
+              <a:t>8/7/2024</a:t>
             </a:fld>
             <a:endParaRPr lang="en-US"/>
           </a:p>
@@ -3654,7 +4679,7 @@
           <a:p>
             <a:fld id="{FEC8F623-83FF-45D9-9165-1796CF17F145}" type="datetimeFigureOut">
               <a:rPr lang="en-US" smtClean="0"/>
-              <a:t>10/19/2023</a:t>
+              <a:t>8/7/2024</a:t>
             </a:fld>
             <a:endParaRPr lang="en-US"/>
           </a:p>
@@ -4142,7 +5167,7 @@
         <p:spPr>
           <a:xfrm>
             <a:off x="995855" y="3967520"/>
-            <a:ext cx="10200289" cy="1754326"/>
+            <a:ext cx="10200289" cy="2031325"/>
           </a:xfrm>
           <a:prstGeom prst="rect">
             <a:avLst/>
@@ -4157,22 +5182,14 @@
           <a:p>
             <a:pPr algn="l"/>
             <a:r>
-              <a:rPr lang="en-US" b="0" i="0" dirty="0">
-                <a:solidFill>
-                  <a:srgbClr val="000000"/>
-                </a:solidFill>
+              <a:rPr lang="en-US" sz="1800" dirty="0">
                 <a:effectLst/>
                 <a:latin typeface="Open Sans" panose="020B0606030504020204" pitchFamily="34" charset="0"/>
+                <a:ea typeface="Open Sans" panose="020B0606030504020204" pitchFamily="34" charset="0"/>
+                <a:cs typeface="Open Sans" panose="020B0606030504020204" pitchFamily="34" charset="0"/>
               </a:rPr>
-              <a:t>A higher prevalence of adults aged ≥ 65 years with chronic kidney disease (CKD) reported functional limitations with hearing, seeing, concentrating, walking, dressing, and running errands than those without CKD. The most frequently reported limitation was walking.</a:t>
-            </a:r>
-            <a:endParaRPr lang="en-US" b="0" dirty="0">
-              <a:solidFill>
-                <a:srgbClr val="000000"/>
-              </a:solidFill>
-              <a:effectLst/>
-              <a:latin typeface="Open Sans" panose="020B0606030504020204" pitchFamily="34" charset="0"/>
-            </a:endParaRPr>
+              <a:t>A higher prevalence of adults aged ≥ 65 years with chronic kidney disease (CKD) reported functional limitations with hearing, seeing, concentrating, walking, dressing and bathing, and running errands alone than those without CKD. The most frequently reported limitation was walking.</a:t>
+            </a:r>
           </a:p>
           <a:p>
             <a:pPr algn="l"/>
@@ -4182,6 +5199,8 @@
               </a:solidFill>
               <a:effectLst/>
               <a:latin typeface="Open Sans" panose="020B0606030504020204" pitchFamily="34" charset="0"/>
+              <a:ea typeface="Open Sans" panose="020B0606030504020204" pitchFamily="34" charset="0"/>
+              <a:cs typeface="Open Sans" panose="020B0606030504020204" pitchFamily="34" charset="0"/>
             </a:endParaRPr>
           </a:p>
           <a:p>
@@ -4193,6 +5212,8 @@
                 </a:solidFill>
                 <a:effectLst/>
                 <a:latin typeface="Open Sans" panose="020B0606030504020204" pitchFamily="34" charset="0"/>
+                <a:ea typeface="Open Sans" panose="020B0606030504020204" pitchFamily="34" charset="0"/>
+                <a:cs typeface="Open Sans" panose="020B0606030504020204" pitchFamily="34" charset="0"/>
               </a:rPr>
               <a:t>Data Source: </a:t>
             </a:r>
@@ -4203,6 +5224,8 @@
                 </a:solidFill>
                 <a:effectLst/>
                 <a:latin typeface="Open Sans" panose="020B0606030504020204" pitchFamily="34" charset="0"/>
+                <a:ea typeface="Open Sans" panose="020B0606030504020204" pitchFamily="34" charset="0"/>
+                <a:cs typeface="Open Sans" panose="020B0606030504020204" pitchFamily="34" charset="0"/>
               </a:rPr>
               <a:t>NHANES</a:t>
             </a:r>
@@ -4256,8 +5279,20 @@
                     <a:lumOff val="35000"/>
                   </a:schemeClr>
                 </a:solidFill>
+                <a:hlinkClick r:id="rId3"/>
               </a:rPr>
               <a:t>https://nccd.cdc.gov/CKD/detail.aspx?Qnum=Q703</a:t>
+            </a:r>
+            <a:r>
+              <a:rPr lang="en-US" dirty="0">
+                <a:solidFill>
+                  <a:schemeClr val="tx1">
+                    <a:lumMod val="65000"/>
+                    <a:lumOff val="35000"/>
+                  </a:schemeClr>
+                </a:solidFill>
+              </a:rPr>
+              <a:t> </a:t>
             </a:r>
           </a:p>
         </p:txBody>
@@ -4304,8 +5339,8 @@
         </p:nvSpPr>
         <p:spPr>
           <a:xfrm>
-            <a:off x="838200" y="215348"/>
-            <a:ext cx="10515600" cy="1325563"/>
+            <a:off x="0" y="215347"/>
+            <a:ext cx="12192000" cy="1325563"/>
           </a:xfrm>
         </p:spPr>
         <p:txBody>
@@ -4317,7 +5352,7 @@
             <a:pPr algn="ctr"/>
             <a:r>
               <a:rPr lang="en-US" sz="4400" b="1" dirty="0"/>
-              <a:t>Prevalence of Self-Reported Functional Limitations among U.S. Adults Aged ≥ 65 Years, 2013–2018</a:t>
+              <a:t>Crude Prevalence of Self-Reported Functional Limitations among U.S. Adults Aged ≥ 65 Years, 2013–2018</a:t>
             </a:r>
             <a:endParaRPr lang="en-US" b="1" dirty="0"/>
           </a:p>
@@ -4325,27 +5360,25 @@
       </p:sp>
       <p:graphicFrame>
         <p:nvGraphicFramePr>
-          <p:cNvPr id="4" name="Chart 3">
+          <p:cNvPr id="5" name="Chart 4">
             <a:extLst>
               <a:ext uri="{FF2B5EF4-FFF2-40B4-BE49-F238E27FC236}">
                 <a16:creationId xmlns:a16="http://schemas.microsoft.com/office/drawing/2014/main" id="{8979359D-C4DF-4045-B005-7A8DC2AF0051}"/>
               </a:ext>
             </a:extLst>
           </p:cNvPr>
-          <p:cNvGraphicFramePr>
-            <a:graphicFrameLocks/>
-          </p:cNvGraphicFramePr>
+          <p:cNvGraphicFramePr/>
           <p:nvPr>
             <p:extLst>
               <p:ext uri="{D42A27DB-BD31-4B8C-83A1-F6EECF244321}">
-                <p14:modId xmlns:p14="http://schemas.microsoft.com/office/powerpoint/2010/main" val="2986775231"/>
+                <p14:modId xmlns:p14="http://schemas.microsoft.com/office/powerpoint/2010/main" val="3806371162"/>
               </p:ext>
             </p:extLst>
           </p:nvPr>
         </p:nvGraphicFramePr>
         <p:xfrm>
-          <a:off x="281609" y="1540910"/>
-          <a:ext cx="11628782" cy="4820133"/>
+          <a:off x="-1" y="1391478"/>
+          <a:ext cx="12191999" cy="4784035"/>
         </p:xfrm>
         <a:graphic>
           <a:graphicData uri="http://schemas.openxmlformats.org/drawingml/2006/chart">
@@ -4357,6 +5390,95 @@
     <p:extLst>
       <p:ext uri="{BB962C8B-B14F-4D97-AF65-F5344CB8AC3E}">
         <p14:creationId xmlns:p14="http://schemas.microsoft.com/office/powerpoint/2010/main" val="3236636429"/>
+      </p:ext>
+    </p:extLst>
+  </p:cSld>
+  <p:clrMapOvr>
+    <a:masterClrMapping/>
+  </p:clrMapOvr>
+</p:sld>
+</file>
+
+<file path=ppt/slides/slide3.xml><?xml version="1.0" encoding="utf-8"?>
+<p:sld xmlns:a="http://schemas.openxmlformats.org/drawingml/2006/main" xmlns:r="http://schemas.openxmlformats.org/officeDocument/2006/relationships" xmlns:p="http://schemas.openxmlformats.org/presentationml/2006/main">
+  <p:cSld>
+    <p:spTree>
+      <p:nvGrpSpPr>
+        <p:cNvPr id="1" name=""/>
+        <p:cNvGrpSpPr/>
+        <p:nvPr/>
+      </p:nvGrpSpPr>
+      <p:grpSpPr>
+        <a:xfrm>
+          <a:off x="0" y="0"/>
+          <a:ext cx="0" cy="0"/>
+          <a:chOff x="0" y="0"/>
+          <a:chExt cx="0" cy="0"/>
+        </a:xfrm>
+      </p:grpSpPr>
+      <p:sp>
+        <p:nvSpPr>
+          <p:cNvPr id="2" name="Title 1"/>
+          <p:cNvSpPr>
+            <a:spLocks noGrp="1"/>
+          </p:cNvSpPr>
+          <p:nvPr>
+            <p:ph type="title"/>
+          </p:nvPr>
+        </p:nvSpPr>
+        <p:spPr>
+          <a:xfrm>
+            <a:off x="0" y="215347"/>
+            <a:ext cx="12192000" cy="1325563"/>
+          </a:xfrm>
+        </p:spPr>
+        <p:txBody>
+          <a:bodyPr>
+            <a:normAutofit fontScale="90000"/>
+          </a:bodyPr>
+          <a:lstStyle/>
+          <a:p>
+            <a:pPr algn="ctr"/>
+            <a:r>
+              <a:rPr lang="en-US" sz="4400" b="1" dirty="0"/>
+              <a:t>Age-Standardized Prevalence of Self-Reported Functional Limitations among U.S. Adults Aged ≥ 65 Years, 2013–2018</a:t>
+            </a:r>
+            <a:endParaRPr lang="en-US" b="1" dirty="0"/>
+          </a:p>
+        </p:txBody>
+      </p:sp>
+      <p:graphicFrame>
+        <p:nvGraphicFramePr>
+          <p:cNvPr id="4" name="Chart 3">
+            <a:extLst>
+              <a:ext uri="{FF2B5EF4-FFF2-40B4-BE49-F238E27FC236}">
+                <a16:creationId xmlns:a16="http://schemas.microsoft.com/office/drawing/2014/main" id="{FDEACE4C-C640-4DF0-ACB4-042079841DEB}"/>
+              </a:ext>
+            </a:extLst>
+          </p:cNvPr>
+          <p:cNvGraphicFramePr/>
+          <p:nvPr>
+            <p:extLst>
+              <p:ext uri="{D42A27DB-BD31-4B8C-83A1-F6EECF244321}">
+                <p14:modId xmlns:p14="http://schemas.microsoft.com/office/powerpoint/2010/main" val="448015859"/>
+              </p:ext>
+            </p:extLst>
+          </p:nvPr>
+        </p:nvGraphicFramePr>
+        <p:xfrm>
+          <a:off x="0" y="1391477"/>
+          <a:ext cx="12191999" cy="4784035"/>
+        </p:xfrm>
+        <a:graphic>
+          <a:graphicData uri="http://schemas.openxmlformats.org/drawingml/2006/chart">
+            <c:chart xmlns:c="http://schemas.openxmlformats.org/drawingml/2006/chart" xmlns:r="http://schemas.openxmlformats.org/officeDocument/2006/relationships" r:id="rId2"/>
+          </a:graphicData>
+        </a:graphic>
+      </p:graphicFrame>
+    </p:spTree>
+    <p:extLst>
+      <p:ext uri="{BB962C8B-B14F-4D97-AF65-F5344CB8AC3E}">
+        <p14:creationId xmlns:p14="http://schemas.microsoft.com/office/powerpoint/2010/main" val="1882048876"/>
       </p:ext>
     </p:extLst>
   </p:cSld>
